--- a/Presentation_Stauffenegger_Woessner.pptx
+++ b/Presentation_Stauffenegger_Woessner.pptx
@@ -256,7 +256,7 @@
           <a:p>
             <a:fld id="{176B0303-6F4F-5243-998E-2D2CC346AF00}" type="datetimeFigureOut">
               <a:rPr lang="en-US" smtClean="0"/>
-              <a:t>4/22/19</a:t>
+              <a:t>4/23/19</a:t>
             </a:fld>
             <a:endParaRPr lang="en-US"/>
           </a:p>
@@ -680,7 +680,7 @@
           <a:p>
             <a:fld id="{85634D96-BAC6-624E-89B2-93829D52EF74}" type="datetimeFigureOut">
               <a:rPr lang="de-DE" smtClean="0"/>
-              <a:t>22.04.19</a:t>
+              <a:t>23.04.19</a:t>
             </a:fld>
             <a:endParaRPr lang="de-DE"/>
           </a:p>
@@ -904,7 +904,7 @@
           <a:p>
             <a:fld id="{85634D96-BAC6-624E-89B2-93829D52EF74}" type="datetimeFigureOut">
               <a:rPr lang="de-DE" smtClean="0"/>
-              <a:t>22.04.19</a:t>
+              <a:t>23.04.19</a:t>
             </a:fld>
             <a:endParaRPr lang="de-DE"/>
           </a:p>
@@ -1138,7 +1138,7 @@
           <a:p>
             <a:fld id="{85634D96-BAC6-624E-89B2-93829D52EF74}" type="datetimeFigureOut">
               <a:rPr lang="de-DE" smtClean="0"/>
-              <a:t>22.04.19</a:t>
+              <a:t>23.04.19</a:t>
             </a:fld>
             <a:endParaRPr lang="de-DE"/>
           </a:p>
@@ -1362,7 +1362,7 @@
           <a:p>
             <a:fld id="{85634D96-BAC6-624E-89B2-93829D52EF74}" type="datetimeFigureOut">
               <a:rPr lang="de-DE" smtClean="0"/>
-              <a:t>22.04.19</a:t>
+              <a:t>23.04.19</a:t>
             </a:fld>
             <a:endParaRPr lang="de-DE"/>
           </a:p>
@@ -1662,7 +1662,7 @@
           <a:p>
             <a:fld id="{85634D96-BAC6-624E-89B2-93829D52EF74}" type="datetimeFigureOut">
               <a:rPr lang="de-DE" smtClean="0"/>
-              <a:t>22.04.19</a:t>
+              <a:t>23.04.19</a:t>
             </a:fld>
             <a:endParaRPr lang="de-DE"/>
           </a:p>
@@ -1954,7 +1954,7 @@
           <a:p>
             <a:fld id="{85634D96-BAC6-624E-89B2-93829D52EF74}" type="datetimeFigureOut">
               <a:rPr lang="de-DE" smtClean="0"/>
-              <a:t>22.04.19</a:t>
+              <a:t>23.04.19</a:t>
             </a:fld>
             <a:endParaRPr lang="de-DE"/>
           </a:p>
@@ -2393,7 +2393,7 @@
           <a:p>
             <a:fld id="{85634D96-BAC6-624E-89B2-93829D52EF74}" type="datetimeFigureOut">
               <a:rPr lang="de-DE" smtClean="0"/>
-              <a:t>22.04.19</a:t>
+              <a:t>23.04.19</a:t>
             </a:fld>
             <a:endParaRPr lang="de-DE"/>
           </a:p>
@@ -2559,7 +2559,7 @@
           <a:p>
             <a:fld id="{85634D96-BAC6-624E-89B2-93829D52EF74}" type="datetimeFigureOut">
               <a:rPr lang="de-DE" smtClean="0"/>
-              <a:t>22.04.19</a:t>
+              <a:t>23.04.19</a:t>
             </a:fld>
             <a:endParaRPr lang="de-DE"/>
           </a:p>
@@ -2696,7 +2696,7 @@
           <a:p>
             <a:fld id="{85634D96-BAC6-624E-89B2-93829D52EF74}" type="datetimeFigureOut">
               <a:rPr lang="de-DE" smtClean="0"/>
-              <a:t>22.04.19</a:t>
+              <a:t>23.04.19</a:t>
             </a:fld>
             <a:endParaRPr lang="de-DE"/>
           </a:p>
@@ -3033,7 +3033,7 @@
           <a:p>
             <a:fld id="{85634D96-BAC6-624E-89B2-93829D52EF74}" type="datetimeFigureOut">
               <a:rPr lang="de-DE" smtClean="0"/>
-              <a:t>22.04.19</a:t>
+              <a:t>23.04.19</a:t>
             </a:fld>
             <a:endParaRPr lang="de-DE"/>
           </a:p>
@@ -3346,7 +3346,7 @@
           <a:p>
             <a:fld id="{85634D96-BAC6-624E-89B2-93829D52EF74}" type="datetimeFigureOut">
               <a:rPr lang="de-DE" smtClean="0"/>
-              <a:t>22.04.19</a:t>
+              <a:t>23.04.19</a:t>
             </a:fld>
             <a:endParaRPr lang="de-DE"/>
           </a:p>
@@ -14604,7 +14604,7 @@
             </a:pPr>
             <a:r>
               <a:rPr lang="en-US" sz="1400" dirty="0"/>
-              <a:t>The central bank send a credible signal regarding a specified target.</a:t>
+              <a:t>The central bank sends a credible signal regarding a specified target.</a:t>
             </a:r>
           </a:p>
           <a:p>
